--- a/ppt 16-9/0178.众扬声赞美主.pptx
+++ b/ppt 16-9/0178.众扬声赞美主.pptx
@@ -5,7 +5,7 @@
     <p:sldMasterId id="2147483648" r:id="rId1"/>
   </p:sldMasterIdLst>
   <p:sldIdLst>
-    <p:sldId id="2798" r:id="rId2"/>
+    <p:sldId id="2801" r:id="rId2"/>
   </p:sldIdLst>
   <p:sldSz cx="12192000" cy="6858000"/>
   <p:notesSz cx="6858000" cy="9144000"/>
@@ -129,7 +129,7 @@
           <p:cNvPr id="2" name="标题 1">
             <a:extLst>
               <a:ext uri="{FF2B5EF4-FFF2-40B4-BE49-F238E27FC236}">
-                <a16:creationId xmlns:a16="http://schemas.microsoft.com/office/drawing/2014/main" id="{140B081D-4BF7-6FF8-A6C4-563F1EAE910E}"/>
+                <a16:creationId xmlns:a16="http://schemas.microsoft.com/office/drawing/2014/main" id="{43364440-358F-4F7D-F80F-3CF5EC2793B6}"/>
               </a:ext>
             </a:extLst>
           </p:cNvPr>
@@ -166,7 +166,7 @@
           <p:cNvPr id="3" name="副标题 2">
             <a:extLst>
               <a:ext uri="{FF2B5EF4-FFF2-40B4-BE49-F238E27FC236}">
-                <a16:creationId xmlns:a16="http://schemas.microsoft.com/office/drawing/2014/main" id="{079CFD07-647C-4DB0-7690-D193B23B4DC9}"/>
+                <a16:creationId xmlns:a16="http://schemas.microsoft.com/office/drawing/2014/main" id="{26AC0046-1F17-7FFA-BCED-3AD6B28F1CD4}"/>
               </a:ext>
             </a:extLst>
           </p:cNvPr>
@@ -236,7 +236,7 @@
           <p:cNvPr id="4" name="日期占位符 3">
             <a:extLst>
               <a:ext uri="{FF2B5EF4-FFF2-40B4-BE49-F238E27FC236}">
-                <a16:creationId xmlns:a16="http://schemas.microsoft.com/office/drawing/2014/main" id="{6FCC5957-DC25-3754-63DB-5E800EE0F1B7}"/>
+                <a16:creationId xmlns:a16="http://schemas.microsoft.com/office/drawing/2014/main" id="{14A89E9A-A766-3850-F3B5-10D30CC478AA}"/>
               </a:ext>
             </a:extLst>
           </p:cNvPr>
@@ -252,7 +252,7 @@
           <a:bodyPr/>
           <a:lstStyle/>
           <a:p>
-            <a:fld id="{EA862976-2342-4296-AC05-CBCECBB9E444}" type="datetimeFigureOut">
+            <a:fld id="{9C869423-A24F-4F41-A11D-F436496D2943}" type="datetimeFigureOut">
               <a:rPr lang="zh-CN" altLang="en-US" smtClean="0"/>
               <a:t>2024/3/10</a:t>
             </a:fld>
@@ -265,7 +265,7 @@
           <p:cNvPr id="5" name="页脚占位符 4">
             <a:extLst>
               <a:ext uri="{FF2B5EF4-FFF2-40B4-BE49-F238E27FC236}">
-                <a16:creationId xmlns:a16="http://schemas.microsoft.com/office/drawing/2014/main" id="{A5DEAB91-EEBA-256A-570E-D622B85277C8}"/>
+                <a16:creationId xmlns:a16="http://schemas.microsoft.com/office/drawing/2014/main" id="{0F7CB27D-0E4A-B280-F8D5-1DAA6731A57D}"/>
               </a:ext>
             </a:extLst>
           </p:cNvPr>
@@ -290,7 +290,7 @@
           <p:cNvPr id="6" name="灯片编号占位符 5">
             <a:extLst>
               <a:ext uri="{FF2B5EF4-FFF2-40B4-BE49-F238E27FC236}">
-                <a16:creationId xmlns:a16="http://schemas.microsoft.com/office/drawing/2014/main" id="{9B650439-B483-2587-BA8A-C75D35AC552F}"/>
+                <a16:creationId xmlns:a16="http://schemas.microsoft.com/office/drawing/2014/main" id="{2BD7CC68-6A07-15DE-199C-31674D7D1747}"/>
               </a:ext>
             </a:extLst>
           </p:cNvPr>
@@ -306,7 +306,7 @@
           <a:bodyPr/>
           <a:lstStyle/>
           <a:p>
-            <a:fld id="{CC5DDC88-DAE2-4897-86AD-E72C8FCC9C48}" type="slidenum">
+            <a:fld id="{6FF127DF-4269-4F02-9824-68906CC7F58C}" type="slidenum">
               <a:rPr lang="zh-CN" altLang="en-US" smtClean="0"/>
               <a:t>‹#›</a:t>
             </a:fld>
@@ -317,7 +317,7 @@
     </p:spTree>
     <p:extLst>
       <p:ext uri="{BB962C8B-B14F-4D97-AF65-F5344CB8AC3E}">
-        <p14:creationId xmlns:p14="http://schemas.microsoft.com/office/powerpoint/2010/main" val="4135166226"/>
+        <p14:creationId xmlns:p14="http://schemas.microsoft.com/office/powerpoint/2010/main" val="898213163"/>
       </p:ext>
     </p:extLst>
   </p:cSld>
@@ -349,7 +349,7 @@
           <p:cNvPr id="2" name="标题 1">
             <a:extLst>
               <a:ext uri="{FF2B5EF4-FFF2-40B4-BE49-F238E27FC236}">
-                <a16:creationId xmlns:a16="http://schemas.microsoft.com/office/drawing/2014/main" id="{A3ED667D-64A7-EEF5-9C04-F22223830D3E}"/>
+                <a16:creationId xmlns:a16="http://schemas.microsoft.com/office/drawing/2014/main" id="{F605EF4F-D3F1-9D6B-91A0-2EB823F363D9}"/>
               </a:ext>
             </a:extLst>
           </p:cNvPr>
@@ -377,7 +377,7 @@
           <p:cNvPr id="3" name="竖排文字占位符 2">
             <a:extLst>
               <a:ext uri="{FF2B5EF4-FFF2-40B4-BE49-F238E27FC236}">
-                <a16:creationId xmlns:a16="http://schemas.microsoft.com/office/drawing/2014/main" id="{DC1B57D0-665E-A901-C921-16493CCA18B3}"/>
+                <a16:creationId xmlns:a16="http://schemas.microsoft.com/office/drawing/2014/main" id="{A7121E8D-8669-8076-2454-B0AC59F4A646}"/>
               </a:ext>
             </a:extLst>
           </p:cNvPr>
@@ -434,7 +434,7 @@
           <p:cNvPr id="4" name="日期占位符 3">
             <a:extLst>
               <a:ext uri="{FF2B5EF4-FFF2-40B4-BE49-F238E27FC236}">
-                <a16:creationId xmlns:a16="http://schemas.microsoft.com/office/drawing/2014/main" id="{7374A341-3781-A010-8C9E-E6E3F1329386}"/>
+                <a16:creationId xmlns:a16="http://schemas.microsoft.com/office/drawing/2014/main" id="{BA196B39-06ED-2117-A4B3-A94004AD59D1}"/>
               </a:ext>
             </a:extLst>
           </p:cNvPr>
@@ -450,7 +450,7 @@
           <a:bodyPr/>
           <a:lstStyle/>
           <a:p>
-            <a:fld id="{EA862976-2342-4296-AC05-CBCECBB9E444}" type="datetimeFigureOut">
+            <a:fld id="{9C869423-A24F-4F41-A11D-F436496D2943}" type="datetimeFigureOut">
               <a:rPr lang="zh-CN" altLang="en-US" smtClean="0"/>
               <a:t>2024/3/10</a:t>
             </a:fld>
@@ -463,7 +463,7 @@
           <p:cNvPr id="5" name="页脚占位符 4">
             <a:extLst>
               <a:ext uri="{FF2B5EF4-FFF2-40B4-BE49-F238E27FC236}">
-                <a16:creationId xmlns:a16="http://schemas.microsoft.com/office/drawing/2014/main" id="{D335F03E-2216-175A-9F73-A342312597FC}"/>
+                <a16:creationId xmlns:a16="http://schemas.microsoft.com/office/drawing/2014/main" id="{51488233-9EAF-04B6-0800-772CCEFDFA43}"/>
               </a:ext>
             </a:extLst>
           </p:cNvPr>
@@ -488,7 +488,7 @@
           <p:cNvPr id="6" name="灯片编号占位符 5">
             <a:extLst>
               <a:ext uri="{FF2B5EF4-FFF2-40B4-BE49-F238E27FC236}">
-                <a16:creationId xmlns:a16="http://schemas.microsoft.com/office/drawing/2014/main" id="{5B178DF5-57E9-A263-92E8-6BF2D181FEDC}"/>
+                <a16:creationId xmlns:a16="http://schemas.microsoft.com/office/drawing/2014/main" id="{A6EC0A5B-7932-7482-B8FA-E004FF783C8F}"/>
               </a:ext>
             </a:extLst>
           </p:cNvPr>
@@ -504,7 +504,7 @@
           <a:bodyPr/>
           <a:lstStyle/>
           <a:p>
-            <a:fld id="{CC5DDC88-DAE2-4897-86AD-E72C8FCC9C48}" type="slidenum">
+            <a:fld id="{6FF127DF-4269-4F02-9824-68906CC7F58C}" type="slidenum">
               <a:rPr lang="zh-CN" altLang="en-US" smtClean="0"/>
               <a:t>‹#›</a:t>
             </a:fld>
@@ -515,7 +515,7 @@
     </p:spTree>
     <p:extLst>
       <p:ext uri="{BB962C8B-B14F-4D97-AF65-F5344CB8AC3E}">
-        <p14:creationId xmlns:p14="http://schemas.microsoft.com/office/powerpoint/2010/main" val="3918392157"/>
+        <p14:creationId xmlns:p14="http://schemas.microsoft.com/office/powerpoint/2010/main" val="4122038296"/>
       </p:ext>
     </p:extLst>
   </p:cSld>
@@ -547,7 +547,7 @@
           <p:cNvPr id="2" name="竖排标题 1">
             <a:extLst>
               <a:ext uri="{FF2B5EF4-FFF2-40B4-BE49-F238E27FC236}">
-                <a16:creationId xmlns:a16="http://schemas.microsoft.com/office/drawing/2014/main" id="{794B344F-5108-E74D-B9F1-719C8CCD2471}"/>
+                <a16:creationId xmlns:a16="http://schemas.microsoft.com/office/drawing/2014/main" id="{8B297305-E88D-FFB9-45C2-7FDE1019112F}"/>
               </a:ext>
             </a:extLst>
           </p:cNvPr>
@@ -580,7 +580,7 @@
           <p:cNvPr id="3" name="竖排文字占位符 2">
             <a:extLst>
               <a:ext uri="{FF2B5EF4-FFF2-40B4-BE49-F238E27FC236}">
-                <a16:creationId xmlns:a16="http://schemas.microsoft.com/office/drawing/2014/main" id="{8C0128C3-8D3E-425F-3ED8-362DA418A136}"/>
+                <a16:creationId xmlns:a16="http://schemas.microsoft.com/office/drawing/2014/main" id="{1FA3C66C-86E0-5D6F-579F-6947B14AF776}"/>
               </a:ext>
             </a:extLst>
           </p:cNvPr>
@@ -642,7 +642,7 @@
           <p:cNvPr id="4" name="日期占位符 3">
             <a:extLst>
               <a:ext uri="{FF2B5EF4-FFF2-40B4-BE49-F238E27FC236}">
-                <a16:creationId xmlns:a16="http://schemas.microsoft.com/office/drawing/2014/main" id="{01A3A15B-0B46-36E8-2826-D7D637B70DB8}"/>
+                <a16:creationId xmlns:a16="http://schemas.microsoft.com/office/drawing/2014/main" id="{C5E60562-5D40-326D-5225-BE5581E46DE6}"/>
               </a:ext>
             </a:extLst>
           </p:cNvPr>
@@ -658,7 +658,7 @@
           <a:bodyPr/>
           <a:lstStyle/>
           <a:p>
-            <a:fld id="{EA862976-2342-4296-AC05-CBCECBB9E444}" type="datetimeFigureOut">
+            <a:fld id="{9C869423-A24F-4F41-A11D-F436496D2943}" type="datetimeFigureOut">
               <a:rPr lang="zh-CN" altLang="en-US" smtClean="0"/>
               <a:t>2024/3/10</a:t>
             </a:fld>
@@ -671,7 +671,7 @@
           <p:cNvPr id="5" name="页脚占位符 4">
             <a:extLst>
               <a:ext uri="{FF2B5EF4-FFF2-40B4-BE49-F238E27FC236}">
-                <a16:creationId xmlns:a16="http://schemas.microsoft.com/office/drawing/2014/main" id="{9561D361-68A8-EF6E-3985-7361633DF095}"/>
+                <a16:creationId xmlns:a16="http://schemas.microsoft.com/office/drawing/2014/main" id="{1E14E928-62CD-4FB6-04FD-6ABF1BEEF446}"/>
               </a:ext>
             </a:extLst>
           </p:cNvPr>
@@ -696,7 +696,7 @@
           <p:cNvPr id="6" name="灯片编号占位符 5">
             <a:extLst>
               <a:ext uri="{FF2B5EF4-FFF2-40B4-BE49-F238E27FC236}">
-                <a16:creationId xmlns:a16="http://schemas.microsoft.com/office/drawing/2014/main" id="{25A979A2-AE49-B368-612B-A54D66B16002}"/>
+                <a16:creationId xmlns:a16="http://schemas.microsoft.com/office/drawing/2014/main" id="{315B8C38-146E-4AFB-26E0-C8C6979C108A}"/>
               </a:ext>
             </a:extLst>
           </p:cNvPr>
@@ -712,7 +712,7 @@
           <a:bodyPr/>
           <a:lstStyle/>
           <a:p>
-            <a:fld id="{CC5DDC88-DAE2-4897-86AD-E72C8FCC9C48}" type="slidenum">
+            <a:fld id="{6FF127DF-4269-4F02-9824-68906CC7F58C}" type="slidenum">
               <a:rPr lang="zh-CN" altLang="en-US" smtClean="0"/>
               <a:t>‹#›</a:t>
             </a:fld>
@@ -723,7 +723,7 @@
     </p:spTree>
     <p:extLst>
       <p:ext uri="{BB962C8B-B14F-4D97-AF65-F5344CB8AC3E}">
-        <p14:creationId xmlns:p14="http://schemas.microsoft.com/office/powerpoint/2010/main" val="2274292025"/>
+        <p14:creationId xmlns:p14="http://schemas.microsoft.com/office/powerpoint/2010/main" val="2809800220"/>
       </p:ext>
     </p:extLst>
   </p:cSld>
@@ -755,7 +755,7 @@
           <p:cNvPr id="2" name="标题 1">
             <a:extLst>
               <a:ext uri="{FF2B5EF4-FFF2-40B4-BE49-F238E27FC236}">
-                <a16:creationId xmlns:a16="http://schemas.microsoft.com/office/drawing/2014/main" id="{E8356515-0384-473F-5822-0F8896621AA2}"/>
+                <a16:creationId xmlns:a16="http://schemas.microsoft.com/office/drawing/2014/main" id="{32EFCF7A-08E6-FDCA-1791-088630362DE0}"/>
               </a:ext>
             </a:extLst>
           </p:cNvPr>
@@ -783,7 +783,7 @@
           <p:cNvPr id="3" name="内容占位符 2">
             <a:extLst>
               <a:ext uri="{FF2B5EF4-FFF2-40B4-BE49-F238E27FC236}">
-                <a16:creationId xmlns:a16="http://schemas.microsoft.com/office/drawing/2014/main" id="{5DDA9CCC-E1F6-8E7E-1EA9-B7AFB7689284}"/>
+                <a16:creationId xmlns:a16="http://schemas.microsoft.com/office/drawing/2014/main" id="{03DFC857-57D9-3356-8167-8DC234F0D6E7}"/>
               </a:ext>
             </a:extLst>
           </p:cNvPr>
@@ -840,7 +840,7 @@
           <p:cNvPr id="4" name="日期占位符 3">
             <a:extLst>
               <a:ext uri="{FF2B5EF4-FFF2-40B4-BE49-F238E27FC236}">
-                <a16:creationId xmlns:a16="http://schemas.microsoft.com/office/drawing/2014/main" id="{F7B61D16-0496-9B8B-DE73-76355C89176A}"/>
+                <a16:creationId xmlns:a16="http://schemas.microsoft.com/office/drawing/2014/main" id="{F649C885-9ADA-24BB-9718-8D79CA2D8274}"/>
               </a:ext>
             </a:extLst>
           </p:cNvPr>
@@ -856,7 +856,7 @@
           <a:bodyPr/>
           <a:lstStyle/>
           <a:p>
-            <a:fld id="{EA862976-2342-4296-AC05-CBCECBB9E444}" type="datetimeFigureOut">
+            <a:fld id="{9C869423-A24F-4F41-A11D-F436496D2943}" type="datetimeFigureOut">
               <a:rPr lang="zh-CN" altLang="en-US" smtClean="0"/>
               <a:t>2024/3/10</a:t>
             </a:fld>
@@ -869,7 +869,7 @@
           <p:cNvPr id="5" name="页脚占位符 4">
             <a:extLst>
               <a:ext uri="{FF2B5EF4-FFF2-40B4-BE49-F238E27FC236}">
-                <a16:creationId xmlns:a16="http://schemas.microsoft.com/office/drawing/2014/main" id="{CDCD24CD-8F6A-5B45-3601-D937392D10F7}"/>
+                <a16:creationId xmlns:a16="http://schemas.microsoft.com/office/drawing/2014/main" id="{168C197D-4D8F-9BA9-43D7-FA3D95DCED35}"/>
               </a:ext>
             </a:extLst>
           </p:cNvPr>
@@ -894,7 +894,7 @@
           <p:cNvPr id="6" name="灯片编号占位符 5">
             <a:extLst>
               <a:ext uri="{FF2B5EF4-FFF2-40B4-BE49-F238E27FC236}">
-                <a16:creationId xmlns:a16="http://schemas.microsoft.com/office/drawing/2014/main" id="{AA3782D7-9A3E-AC60-D96F-199959CE1582}"/>
+                <a16:creationId xmlns:a16="http://schemas.microsoft.com/office/drawing/2014/main" id="{7F8AE2FC-C6ED-CC95-BC78-3B0177C6646D}"/>
               </a:ext>
             </a:extLst>
           </p:cNvPr>
@@ -910,7 +910,7 @@
           <a:bodyPr/>
           <a:lstStyle/>
           <a:p>
-            <a:fld id="{CC5DDC88-DAE2-4897-86AD-E72C8FCC9C48}" type="slidenum">
+            <a:fld id="{6FF127DF-4269-4F02-9824-68906CC7F58C}" type="slidenum">
               <a:rPr lang="zh-CN" altLang="en-US" smtClean="0"/>
               <a:t>‹#›</a:t>
             </a:fld>
@@ -921,7 +921,7 @@
     </p:spTree>
     <p:extLst>
       <p:ext uri="{BB962C8B-B14F-4D97-AF65-F5344CB8AC3E}">
-        <p14:creationId xmlns:p14="http://schemas.microsoft.com/office/powerpoint/2010/main" val="2766624286"/>
+        <p14:creationId xmlns:p14="http://schemas.microsoft.com/office/powerpoint/2010/main" val="997443287"/>
       </p:ext>
     </p:extLst>
   </p:cSld>
@@ -953,7 +953,7 @@
           <p:cNvPr id="2" name="标题 1">
             <a:extLst>
               <a:ext uri="{FF2B5EF4-FFF2-40B4-BE49-F238E27FC236}">
-                <a16:creationId xmlns:a16="http://schemas.microsoft.com/office/drawing/2014/main" id="{BF7A0879-8551-C242-AA8D-D401F5CED25D}"/>
+                <a16:creationId xmlns:a16="http://schemas.microsoft.com/office/drawing/2014/main" id="{03A41AFF-41BE-BD64-52FC-C9CF90FFCEAF}"/>
               </a:ext>
             </a:extLst>
           </p:cNvPr>
@@ -990,7 +990,7 @@
           <p:cNvPr id="3" name="文本占位符 2">
             <a:extLst>
               <a:ext uri="{FF2B5EF4-FFF2-40B4-BE49-F238E27FC236}">
-                <a16:creationId xmlns:a16="http://schemas.microsoft.com/office/drawing/2014/main" id="{BF72DF64-8F4B-041A-69F1-8304C8A2E0E2}"/>
+                <a16:creationId xmlns:a16="http://schemas.microsoft.com/office/drawing/2014/main" id="{2E269592-0EAF-1089-568D-9EBB93D94E57}"/>
               </a:ext>
             </a:extLst>
           </p:cNvPr>
@@ -1115,7 +1115,7 @@
           <p:cNvPr id="4" name="日期占位符 3">
             <a:extLst>
               <a:ext uri="{FF2B5EF4-FFF2-40B4-BE49-F238E27FC236}">
-                <a16:creationId xmlns:a16="http://schemas.microsoft.com/office/drawing/2014/main" id="{0E6D9E09-8CAF-1294-5F3C-788724C83C89}"/>
+                <a16:creationId xmlns:a16="http://schemas.microsoft.com/office/drawing/2014/main" id="{FCDA5AF1-A19D-AB76-87EC-E42FBBAAA17F}"/>
               </a:ext>
             </a:extLst>
           </p:cNvPr>
@@ -1131,7 +1131,7 @@
           <a:bodyPr/>
           <a:lstStyle/>
           <a:p>
-            <a:fld id="{EA862976-2342-4296-AC05-CBCECBB9E444}" type="datetimeFigureOut">
+            <a:fld id="{9C869423-A24F-4F41-A11D-F436496D2943}" type="datetimeFigureOut">
               <a:rPr lang="zh-CN" altLang="en-US" smtClean="0"/>
               <a:t>2024/3/10</a:t>
             </a:fld>
@@ -1144,7 +1144,7 @@
           <p:cNvPr id="5" name="页脚占位符 4">
             <a:extLst>
               <a:ext uri="{FF2B5EF4-FFF2-40B4-BE49-F238E27FC236}">
-                <a16:creationId xmlns:a16="http://schemas.microsoft.com/office/drawing/2014/main" id="{AC0FEC51-CD9E-647A-DBB0-EB13A1A325CE}"/>
+                <a16:creationId xmlns:a16="http://schemas.microsoft.com/office/drawing/2014/main" id="{673F863C-FB17-0A19-937B-E1B26B16447E}"/>
               </a:ext>
             </a:extLst>
           </p:cNvPr>
@@ -1169,7 +1169,7 @@
           <p:cNvPr id="6" name="灯片编号占位符 5">
             <a:extLst>
               <a:ext uri="{FF2B5EF4-FFF2-40B4-BE49-F238E27FC236}">
-                <a16:creationId xmlns:a16="http://schemas.microsoft.com/office/drawing/2014/main" id="{30FEF2C2-A212-1B30-B6CF-13CA78653D93}"/>
+                <a16:creationId xmlns:a16="http://schemas.microsoft.com/office/drawing/2014/main" id="{3C30000F-63F6-860F-48A3-B5755C32B058}"/>
               </a:ext>
             </a:extLst>
           </p:cNvPr>
@@ -1185,7 +1185,7 @@
           <a:bodyPr/>
           <a:lstStyle/>
           <a:p>
-            <a:fld id="{CC5DDC88-DAE2-4897-86AD-E72C8FCC9C48}" type="slidenum">
+            <a:fld id="{6FF127DF-4269-4F02-9824-68906CC7F58C}" type="slidenum">
               <a:rPr lang="zh-CN" altLang="en-US" smtClean="0"/>
               <a:t>‹#›</a:t>
             </a:fld>
@@ -1196,7 +1196,7 @@
     </p:spTree>
     <p:extLst>
       <p:ext uri="{BB962C8B-B14F-4D97-AF65-F5344CB8AC3E}">
-        <p14:creationId xmlns:p14="http://schemas.microsoft.com/office/powerpoint/2010/main" val="4085121890"/>
+        <p14:creationId xmlns:p14="http://schemas.microsoft.com/office/powerpoint/2010/main" val="2783447514"/>
       </p:ext>
     </p:extLst>
   </p:cSld>
@@ -1228,7 +1228,7 @@
           <p:cNvPr id="2" name="标题 1">
             <a:extLst>
               <a:ext uri="{FF2B5EF4-FFF2-40B4-BE49-F238E27FC236}">
-                <a16:creationId xmlns:a16="http://schemas.microsoft.com/office/drawing/2014/main" id="{F83A6DFF-8FC6-0F96-E878-0C10FF0C4D6F}"/>
+                <a16:creationId xmlns:a16="http://schemas.microsoft.com/office/drawing/2014/main" id="{AA647C55-516E-4AD8-8ABC-701C9D29DDD3}"/>
               </a:ext>
             </a:extLst>
           </p:cNvPr>
@@ -1256,7 +1256,7 @@
           <p:cNvPr id="3" name="内容占位符 2">
             <a:extLst>
               <a:ext uri="{FF2B5EF4-FFF2-40B4-BE49-F238E27FC236}">
-                <a16:creationId xmlns:a16="http://schemas.microsoft.com/office/drawing/2014/main" id="{3B5EF899-2846-9BC6-7DF3-2F78671B1AEF}"/>
+                <a16:creationId xmlns:a16="http://schemas.microsoft.com/office/drawing/2014/main" id="{F02908CD-48CE-25AC-1E2D-9BD8EE6F2CE4}"/>
               </a:ext>
             </a:extLst>
           </p:cNvPr>
@@ -1318,7 +1318,7 @@
           <p:cNvPr id="4" name="内容占位符 3">
             <a:extLst>
               <a:ext uri="{FF2B5EF4-FFF2-40B4-BE49-F238E27FC236}">
-                <a16:creationId xmlns:a16="http://schemas.microsoft.com/office/drawing/2014/main" id="{38336323-362E-5F6D-442A-0F75680029B0}"/>
+                <a16:creationId xmlns:a16="http://schemas.microsoft.com/office/drawing/2014/main" id="{22E40D6C-7393-97A0-69FA-D384C409B9D5}"/>
               </a:ext>
             </a:extLst>
           </p:cNvPr>
@@ -1380,7 +1380,7 @@
           <p:cNvPr id="5" name="日期占位符 4">
             <a:extLst>
               <a:ext uri="{FF2B5EF4-FFF2-40B4-BE49-F238E27FC236}">
-                <a16:creationId xmlns:a16="http://schemas.microsoft.com/office/drawing/2014/main" id="{7572FE84-2E2B-0ADD-186F-437CDD18D496}"/>
+                <a16:creationId xmlns:a16="http://schemas.microsoft.com/office/drawing/2014/main" id="{63C37352-E8C9-93C5-3C0A-7CDA605ACAD3}"/>
               </a:ext>
             </a:extLst>
           </p:cNvPr>
@@ -1396,7 +1396,7 @@
           <a:bodyPr/>
           <a:lstStyle/>
           <a:p>
-            <a:fld id="{EA862976-2342-4296-AC05-CBCECBB9E444}" type="datetimeFigureOut">
+            <a:fld id="{9C869423-A24F-4F41-A11D-F436496D2943}" type="datetimeFigureOut">
               <a:rPr lang="zh-CN" altLang="en-US" smtClean="0"/>
               <a:t>2024/3/10</a:t>
             </a:fld>
@@ -1409,7 +1409,7 @@
           <p:cNvPr id="6" name="页脚占位符 5">
             <a:extLst>
               <a:ext uri="{FF2B5EF4-FFF2-40B4-BE49-F238E27FC236}">
-                <a16:creationId xmlns:a16="http://schemas.microsoft.com/office/drawing/2014/main" id="{A0812EB3-7C67-8FF4-E4E0-9E4974F96836}"/>
+                <a16:creationId xmlns:a16="http://schemas.microsoft.com/office/drawing/2014/main" id="{5451AC86-5D0F-7B07-5A6E-3AA9C09179A1}"/>
               </a:ext>
             </a:extLst>
           </p:cNvPr>
@@ -1434,7 +1434,7 @@
           <p:cNvPr id="7" name="灯片编号占位符 6">
             <a:extLst>
               <a:ext uri="{FF2B5EF4-FFF2-40B4-BE49-F238E27FC236}">
-                <a16:creationId xmlns:a16="http://schemas.microsoft.com/office/drawing/2014/main" id="{A2AEA99C-85B4-9486-468F-9F032AE20579}"/>
+                <a16:creationId xmlns:a16="http://schemas.microsoft.com/office/drawing/2014/main" id="{C0C6B471-E4AC-8CA6-1A9C-986AE1B5E594}"/>
               </a:ext>
             </a:extLst>
           </p:cNvPr>
@@ -1450,7 +1450,7 @@
           <a:bodyPr/>
           <a:lstStyle/>
           <a:p>
-            <a:fld id="{CC5DDC88-DAE2-4897-86AD-E72C8FCC9C48}" type="slidenum">
+            <a:fld id="{6FF127DF-4269-4F02-9824-68906CC7F58C}" type="slidenum">
               <a:rPr lang="zh-CN" altLang="en-US" smtClean="0"/>
               <a:t>‹#›</a:t>
             </a:fld>
@@ -1461,7 +1461,7 @@
     </p:spTree>
     <p:extLst>
       <p:ext uri="{BB962C8B-B14F-4D97-AF65-F5344CB8AC3E}">
-        <p14:creationId xmlns:p14="http://schemas.microsoft.com/office/powerpoint/2010/main" val="907200170"/>
+        <p14:creationId xmlns:p14="http://schemas.microsoft.com/office/powerpoint/2010/main" val="109734381"/>
       </p:ext>
     </p:extLst>
   </p:cSld>
@@ -1493,7 +1493,7 @@
           <p:cNvPr id="2" name="标题 1">
             <a:extLst>
               <a:ext uri="{FF2B5EF4-FFF2-40B4-BE49-F238E27FC236}">
-                <a16:creationId xmlns:a16="http://schemas.microsoft.com/office/drawing/2014/main" id="{D765CEBF-36B6-2AFD-6DE1-FA0A9DA11E8E}"/>
+                <a16:creationId xmlns:a16="http://schemas.microsoft.com/office/drawing/2014/main" id="{B6120298-FFC5-EB12-936F-E04B8A2AC466}"/>
               </a:ext>
             </a:extLst>
           </p:cNvPr>
@@ -1526,7 +1526,7 @@
           <p:cNvPr id="3" name="文本占位符 2">
             <a:extLst>
               <a:ext uri="{FF2B5EF4-FFF2-40B4-BE49-F238E27FC236}">
-                <a16:creationId xmlns:a16="http://schemas.microsoft.com/office/drawing/2014/main" id="{577A1DD4-FCC4-0D45-D591-DCA97A60F8DD}"/>
+                <a16:creationId xmlns:a16="http://schemas.microsoft.com/office/drawing/2014/main" id="{24A0A679-ADFA-C7D5-FAF2-21B054534556}"/>
               </a:ext>
             </a:extLst>
           </p:cNvPr>
@@ -1597,7 +1597,7 @@
           <p:cNvPr id="4" name="内容占位符 3">
             <a:extLst>
               <a:ext uri="{FF2B5EF4-FFF2-40B4-BE49-F238E27FC236}">
-                <a16:creationId xmlns:a16="http://schemas.microsoft.com/office/drawing/2014/main" id="{074B0BD8-8EA5-7075-CE99-FBD4A5AB3289}"/>
+                <a16:creationId xmlns:a16="http://schemas.microsoft.com/office/drawing/2014/main" id="{87C886FF-E8C9-7302-AE27-DF5D9E5F692D}"/>
               </a:ext>
             </a:extLst>
           </p:cNvPr>
@@ -1659,7 +1659,7 @@
           <p:cNvPr id="5" name="文本占位符 4">
             <a:extLst>
               <a:ext uri="{FF2B5EF4-FFF2-40B4-BE49-F238E27FC236}">
-                <a16:creationId xmlns:a16="http://schemas.microsoft.com/office/drawing/2014/main" id="{D1875B44-26FA-E66C-A106-08B01BA63A18}"/>
+                <a16:creationId xmlns:a16="http://schemas.microsoft.com/office/drawing/2014/main" id="{7290EFFF-A910-BEA7-0784-1C78FECEE5DE}"/>
               </a:ext>
             </a:extLst>
           </p:cNvPr>
@@ -1730,7 +1730,7 @@
           <p:cNvPr id="6" name="内容占位符 5">
             <a:extLst>
               <a:ext uri="{FF2B5EF4-FFF2-40B4-BE49-F238E27FC236}">
-                <a16:creationId xmlns:a16="http://schemas.microsoft.com/office/drawing/2014/main" id="{A96CC89E-4353-8A29-1F58-77BA38C43022}"/>
+                <a16:creationId xmlns:a16="http://schemas.microsoft.com/office/drawing/2014/main" id="{9E2F7B35-FB81-5693-2059-CE7336B26C12}"/>
               </a:ext>
             </a:extLst>
           </p:cNvPr>
@@ -1792,7 +1792,7 @@
           <p:cNvPr id="7" name="日期占位符 6">
             <a:extLst>
               <a:ext uri="{FF2B5EF4-FFF2-40B4-BE49-F238E27FC236}">
-                <a16:creationId xmlns:a16="http://schemas.microsoft.com/office/drawing/2014/main" id="{E5D7F15D-E94E-4C5C-196D-9E24D586F9D6}"/>
+                <a16:creationId xmlns:a16="http://schemas.microsoft.com/office/drawing/2014/main" id="{6722B8E3-0413-66AF-0BEB-C61593A4FAFA}"/>
               </a:ext>
             </a:extLst>
           </p:cNvPr>
@@ -1808,7 +1808,7 @@
           <a:bodyPr/>
           <a:lstStyle/>
           <a:p>
-            <a:fld id="{EA862976-2342-4296-AC05-CBCECBB9E444}" type="datetimeFigureOut">
+            <a:fld id="{9C869423-A24F-4F41-A11D-F436496D2943}" type="datetimeFigureOut">
               <a:rPr lang="zh-CN" altLang="en-US" smtClean="0"/>
               <a:t>2024/3/10</a:t>
             </a:fld>
@@ -1821,7 +1821,7 @@
           <p:cNvPr id="8" name="页脚占位符 7">
             <a:extLst>
               <a:ext uri="{FF2B5EF4-FFF2-40B4-BE49-F238E27FC236}">
-                <a16:creationId xmlns:a16="http://schemas.microsoft.com/office/drawing/2014/main" id="{769C0390-034F-A6F5-750A-1F77414174D9}"/>
+                <a16:creationId xmlns:a16="http://schemas.microsoft.com/office/drawing/2014/main" id="{4EABE60F-A9BF-AA4D-FBD1-BC1C01055570}"/>
               </a:ext>
             </a:extLst>
           </p:cNvPr>
@@ -1846,7 +1846,7 @@
           <p:cNvPr id="9" name="灯片编号占位符 8">
             <a:extLst>
               <a:ext uri="{FF2B5EF4-FFF2-40B4-BE49-F238E27FC236}">
-                <a16:creationId xmlns:a16="http://schemas.microsoft.com/office/drawing/2014/main" id="{97AA0805-DC6F-F162-3505-47146E7A5E73}"/>
+                <a16:creationId xmlns:a16="http://schemas.microsoft.com/office/drawing/2014/main" id="{6F9AF009-237A-26D6-FCD6-87F3405907BD}"/>
               </a:ext>
             </a:extLst>
           </p:cNvPr>
@@ -1862,7 +1862,7 @@
           <a:bodyPr/>
           <a:lstStyle/>
           <a:p>
-            <a:fld id="{CC5DDC88-DAE2-4897-86AD-E72C8FCC9C48}" type="slidenum">
+            <a:fld id="{6FF127DF-4269-4F02-9824-68906CC7F58C}" type="slidenum">
               <a:rPr lang="zh-CN" altLang="en-US" smtClean="0"/>
               <a:t>‹#›</a:t>
             </a:fld>
@@ -1873,7 +1873,7 @@
     </p:spTree>
     <p:extLst>
       <p:ext uri="{BB962C8B-B14F-4D97-AF65-F5344CB8AC3E}">
-        <p14:creationId xmlns:p14="http://schemas.microsoft.com/office/powerpoint/2010/main" val="61740846"/>
+        <p14:creationId xmlns:p14="http://schemas.microsoft.com/office/powerpoint/2010/main" val="3837978057"/>
       </p:ext>
     </p:extLst>
   </p:cSld>
@@ -1905,7 +1905,7 @@
           <p:cNvPr id="2" name="标题 1">
             <a:extLst>
               <a:ext uri="{FF2B5EF4-FFF2-40B4-BE49-F238E27FC236}">
-                <a16:creationId xmlns:a16="http://schemas.microsoft.com/office/drawing/2014/main" id="{61413297-590D-054B-40CB-4200D3798872}"/>
+                <a16:creationId xmlns:a16="http://schemas.microsoft.com/office/drawing/2014/main" id="{B69E7F15-0551-83B1-9D5D-66DD9FDB9DA0}"/>
               </a:ext>
             </a:extLst>
           </p:cNvPr>
@@ -1933,7 +1933,7 @@
           <p:cNvPr id="3" name="日期占位符 2">
             <a:extLst>
               <a:ext uri="{FF2B5EF4-FFF2-40B4-BE49-F238E27FC236}">
-                <a16:creationId xmlns:a16="http://schemas.microsoft.com/office/drawing/2014/main" id="{626351F7-9985-5E1F-B5FF-3AE9333795D5}"/>
+                <a16:creationId xmlns:a16="http://schemas.microsoft.com/office/drawing/2014/main" id="{6911238A-7F21-8617-C161-5E0FF8CC4DD4}"/>
               </a:ext>
             </a:extLst>
           </p:cNvPr>
@@ -1949,7 +1949,7 @@
           <a:bodyPr/>
           <a:lstStyle/>
           <a:p>
-            <a:fld id="{EA862976-2342-4296-AC05-CBCECBB9E444}" type="datetimeFigureOut">
+            <a:fld id="{9C869423-A24F-4F41-A11D-F436496D2943}" type="datetimeFigureOut">
               <a:rPr lang="zh-CN" altLang="en-US" smtClean="0"/>
               <a:t>2024/3/10</a:t>
             </a:fld>
@@ -1962,7 +1962,7 @@
           <p:cNvPr id="4" name="页脚占位符 3">
             <a:extLst>
               <a:ext uri="{FF2B5EF4-FFF2-40B4-BE49-F238E27FC236}">
-                <a16:creationId xmlns:a16="http://schemas.microsoft.com/office/drawing/2014/main" id="{B83C69F8-7203-3A5A-5313-DACBD049965D}"/>
+                <a16:creationId xmlns:a16="http://schemas.microsoft.com/office/drawing/2014/main" id="{16F16F04-2F21-F4C9-CA36-110A03C782CE}"/>
               </a:ext>
             </a:extLst>
           </p:cNvPr>
@@ -1987,7 +1987,7 @@
           <p:cNvPr id="5" name="灯片编号占位符 4">
             <a:extLst>
               <a:ext uri="{FF2B5EF4-FFF2-40B4-BE49-F238E27FC236}">
-                <a16:creationId xmlns:a16="http://schemas.microsoft.com/office/drawing/2014/main" id="{C390AC3C-4353-C8F3-FB85-DC105B77781D}"/>
+                <a16:creationId xmlns:a16="http://schemas.microsoft.com/office/drawing/2014/main" id="{43F71497-F01B-50C6-B8DA-EF2886562CC4}"/>
               </a:ext>
             </a:extLst>
           </p:cNvPr>
@@ -2003,7 +2003,7 @@
           <a:bodyPr/>
           <a:lstStyle/>
           <a:p>
-            <a:fld id="{CC5DDC88-DAE2-4897-86AD-E72C8FCC9C48}" type="slidenum">
+            <a:fld id="{6FF127DF-4269-4F02-9824-68906CC7F58C}" type="slidenum">
               <a:rPr lang="zh-CN" altLang="en-US" smtClean="0"/>
               <a:t>‹#›</a:t>
             </a:fld>
@@ -2014,7 +2014,7 @@
     </p:spTree>
     <p:extLst>
       <p:ext uri="{BB962C8B-B14F-4D97-AF65-F5344CB8AC3E}">
-        <p14:creationId xmlns:p14="http://schemas.microsoft.com/office/powerpoint/2010/main" val="3289593308"/>
+        <p14:creationId xmlns:p14="http://schemas.microsoft.com/office/powerpoint/2010/main" val="4230486166"/>
       </p:ext>
     </p:extLst>
   </p:cSld>
@@ -2046,7 +2046,7 @@
           <p:cNvPr id="2" name="日期占位符 1">
             <a:extLst>
               <a:ext uri="{FF2B5EF4-FFF2-40B4-BE49-F238E27FC236}">
-                <a16:creationId xmlns:a16="http://schemas.microsoft.com/office/drawing/2014/main" id="{3A4C4CD1-DD90-EFC2-FC36-11E923999A3E}"/>
+                <a16:creationId xmlns:a16="http://schemas.microsoft.com/office/drawing/2014/main" id="{48D242F4-03A2-A28A-D61F-A48ED5DAB252}"/>
               </a:ext>
             </a:extLst>
           </p:cNvPr>
@@ -2062,7 +2062,7 @@
           <a:bodyPr/>
           <a:lstStyle/>
           <a:p>
-            <a:fld id="{EA862976-2342-4296-AC05-CBCECBB9E444}" type="datetimeFigureOut">
+            <a:fld id="{9C869423-A24F-4F41-A11D-F436496D2943}" type="datetimeFigureOut">
               <a:rPr lang="zh-CN" altLang="en-US" smtClean="0"/>
               <a:t>2024/3/10</a:t>
             </a:fld>
@@ -2075,7 +2075,7 @@
           <p:cNvPr id="3" name="页脚占位符 2">
             <a:extLst>
               <a:ext uri="{FF2B5EF4-FFF2-40B4-BE49-F238E27FC236}">
-                <a16:creationId xmlns:a16="http://schemas.microsoft.com/office/drawing/2014/main" id="{DF25D69A-4EA8-DA77-C8A5-A1C002FF76F2}"/>
+                <a16:creationId xmlns:a16="http://schemas.microsoft.com/office/drawing/2014/main" id="{99992EA3-7A8D-DD42-ABE1-0027CF0AB6D4}"/>
               </a:ext>
             </a:extLst>
           </p:cNvPr>
@@ -2100,7 +2100,7 @@
           <p:cNvPr id="4" name="灯片编号占位符 3">
             <a:extLst>
               <a:ext uri="{FF2B5EF4-FFF2-40B4-BE49-F238E27FC236}">
-                <a16:creationId xmlns:a16="http://schemas.microsoft.com/office/drawing/2014/main" id="{DC79E3F5-CD2F-67CB-1B0D-53FDA1CC7735}"/>
+                <a16:creationId xmlns:a16="http://schemas.microsoft.com/office/drawing/2014/main" id="{EB89E40A-D714-246C-775A-4C642BA0D9DA}"/>
               </a:ext>
             </a:extLst>
           </p:cNvPr>
@@ -2116,7 +2116,7 @@
           <a:bodyPr/>
           <a:lstStyle/>
           <a:p>
-            <a:fld id="{CC5DDC88-DAE2-4897-86AD-E72C8FCC9C48}" type="slidenum">
+            <a:fld id="{6FF127DF-4269-4F02-9824-68906CC7F58C}" type="slidenum">
               <a:rPr lang="zh-CN" altLang="en-US" smtClean="0"/>
               <a:t>‹#›</a:t>
             </a:fld>
@@ -2127,7 +2127,7 @@
     </p:spTree>
     <p:extLst>
       <p:ext uri="{BB962C8B-B14F-4D97-AF65-F5344CB8AC3E}">
-        <p14:creationId xmlns:p14="http://schemas.microsoft.com/office/powerpoint/2010/main" val="867574369"/>
+        <p14:creationId xmlns:p14="http://schemas.microsoft.com/office/powerpoint/2010/main" val="1878907854"/>
       </p:ext>
     </p:extLst>
   </p:cSld>
@@ -2159,7 +2159,7 @@
           <p:cNvPr id="2" name="标题 1">
             <a:extLst>
               <a:ext uri="{FF2B5EF4-FFF2-40B4-BE49-F238E27FC236}">
-                <a16:creationId xmlns:a16="http://schemas.microsoft.com/office/drawing/2014/main" id="{784A69D8-85D1-B50A-1BB0-23F20C3AA89E}"/>
+                <a16:creationId xmlns:a16="http://schemas.microsoft.com/office/drawing/2014/main" id="{6549CA8F-866F-50B7-3E26-CF6D3D1DAB41}"/>
               </a:ext>
             </a:extLst>
           </p:cNvPr>
@@ -2196,7 +2196,7 @@
           <p:cNvPr id="3" name="内容占位符 2">
             <a:extLst>
               <a:ext uri="{FF2B5EF4-FFF2-40B4-BE49-F238E27FC236}">
-                <a16:creationId xmlns:a16="http://schemas.microsoft.com/office/drawing/2014/main" id="{4EE3A248-471F-C269-F104-D8A39C1C477C}"/>
+                <a16:creationId xmlns:a16="http://schemas.microsoft.com/office/drawing/2014/main" id="{06A1B890-C11A-92E0-95C8-ADDAC269C9E7}"/>
               </a:ext>
             </a:extLst>
           </p:cNvPr>
@@ -2286,7 +2286,7 @@
           <p:cNvPr id="4" name="文本占位符 3">
             <a:extLst>
               <a:ext uri="{FF2B5EF4-FFF2-40B4-BE49-F238E27FC236}">
-                <a16:creationId xmlns:a16="http://schemas.microsoft.com/office/drawing/2014/main" id="{61BCF954-CFDF-D6F5-791E-388B677F56CC}"/>
+                <a16:creationId xmlns:a16="http://schemas.microsoft.com/office/drawing/2014/main" id="{87352353-76A9-5084-D0E9-50EA90B6F79E}"/>
               </a:ext>
             </a:extLst>
           </p:cNvPr>
@@ -2357,7 +2357,7 @@
           <p:cNvPr id="5" name="日期占位符 4">
             <a:extLst>
               <a:ext uri="{FF2B5EF4-FFF2-40B4-BE49-F238E27FC236}">
-                <a16:creationId xmlns:a16="http://schemas.microsoft.com/office/drawing/2014/main" id="{BCF73631-6563-EC0B-DD66-51E7BB2CB57B}"/>
+                <a16:creationId xmlns:a16="http://schemas.microsoft.com/office/drawing/2014/main" id="{0FDAD5CC-288C-2190-50A2-539E34BBE4DB}"/>
               </a:ext>
             </a:extLst>
           </p:cNvPr>
@@ -2373,7 +2373,7 @@
           <a:bodyPr/>
           <a:lstStyle/>
           <a:p>
-            <a:fld id="{EA862976-2342-4296-AC05-CBCECBB9E444}" type="datetimeFigureOut">
+            <a:fld id="{9C869423-A24F-4F41-A11D-F436496D2943}" type="datetimeFigureOut">
               <a:rPr lang="zh-CN" altLang="en-US" smtClean="0"/>
               <a:t>2024/3/10</a:t>
             </a:fld>
@@ -2386,7 +2386,7 @@
           <p:cNvPr id="6" name="页脚占位符 5">
             <a:extLst>
               <a:ext uri="{FF2B5EF4-FFF2-40B4-BE49-F238E27FC236}">
-                <a16:creationId xmlns:a16="http://schemas.microsoft.com/office/drawing/2014/main" id="{EF1DD692-51F7-37C9-4233-E108173F6220}"/>
+                <a16:creationId xmlns:a16="http://schemas.microsoft.com/office/drawing/2014/main" id="{75103033-7CC5-E557-8AB3-CABC2728973F}"/>
               </a:ext>
             </a:extLst>
           </p:cNvPr>
@@ -2411,7 +2411,7 @@
           <p:cNvPr id="7" name="灯片编号占位符 6">
             <a:extLst>
               <a:ext uri="{FF2B5EF4-FFF2-40B4-BE49-F238E27FC236}">
-                <a16:creationId xmlns:a16="http://schemas.microsoft.com/office/drawing/2014/main" id="{03061753-2643-3C97-F20D-11153BE97DE5}"/>
+                <a16:creationId xmlns:a16="http://schemas.microsoft.com/office/drawing/2014/main" id="{51984DFC-8D47-5F4D-0178-9E4AE69BAECC}"/>
               </a:ext>
             </a:extLst>
           </p:cNvPr>
@@ -2427,7 +2427,7 @@
           <a:bodyPr/>
           <a:lstStyle/>
           <a:p>
-            <a:fld id="{CC5DDC88-DAE2-4897-86AD-E72C8FCC9C48}" type="slidenum">
+            <a:fld id="{6FF127DF-4269-4F02-9824-68906CC7F58C}" type="slidenum">
               <a:rPr lang="zh-CN" altLang="en-US" smtClean="0"/>
               <a:t>‹#›</a:t>
             </a:fld>
@@ -2438,7 +2438,7 @@
     </p:spTree>
     <p:extLst>
       <p:ext uri="{BB962C8B-B14F-4D97-AF65-F5344CB8AC3E}">
-        <p14:creationId xmlns:p14="http://schemas.microsoft.com/office/powerpoint/2010/main" val="346749765"/>
+        <p14:creationId xmlns:p14="http://schemas.microsoft.com/office/powerpoint/2010/main" val="4099333624"/>
       </p:ext>
     </p:extLst>
   </p:cSld>
@@ -2470,7 +2470,7 @@
           <p:cNvPr id="2" name="标题 1">
             <a:extLst>
               <a:ext uri="{FF2B5EF4-FFF2-40B4-BE49-F238E27FC236}">
-                <a16:creationId xmlns:a16="http://schemas.microsoft.com/office/drawing/2014/main" id="{7B54BD93-3532-4891-CEDF-08DFA8AE4B64}"/>
+                <a16:creationId xmlns:a16="http://schemas.microsoft.com/office/drawing/2014/main" id="{35553787-E690-8E1A-FD2C-C692EFE4326D}"/>
               </a:ext>
             </a:extLst>
           </p:cNvPr>
@@ -2507,7 +2507,7 @@
           <p:cNvPr id="3" name="图片占位符 2">
             <a:extLst>
               <a:ext uri="{FF2B5EF4-FFF2-40B4-BE49-F238E27FC236}">
-                <a16:creationId xmlns:a16="http://schemas.microsoft.com/office/drawing/2014/main" id="{4266AA01-1A3C-E5F1-CAF5-81D3D209CB56}"/>
+                <a16:creationId xmlns:a16="http://schemas.microsoft.com/office/drawing/2014/main" id="{7F37BE69-1456-5E5C-86F0-E9CB51335CCF}"/>
               </a:ext>
             </a:extLst>
           </p:cNvPr>
@@ -2574,7 +2574,7 @@
           <p:cNvPr id="4" name="文本占位符 3">
             <a:extLst>
               <a:ext uri="{FF2B5EF4-FFF2-40B4-BE49-F238E27FC236}">
-                <a16:creationId xmlns:a16="http://schemas.microsoft.com/office/drawing/2014/main" id="{70B82009-079B-C174-4A5F-FC592C5453C1}"/>
+                <a16:creationId xmlns:a16="http://schemas.microsoft.com/office/drawing/2014/main" id="{72F6B3E9-4570-06E4-6B09-19BB97CE495F}"/>
               </a:ext>
             </a:extLst>
           </p:cNvPr>
@@ -2645,7 +2645,7 @@
           <p:cNvPr id="5" name="日期占位符 4">
             <a:extLst>
               <a:ext uri="{FF2B5EF4-FFF2-40B4-BE49-F238E27FC236}">
-                <a16:creationId xmlns:a16="http://schemas.microsoft.com/office/drawing/2014/main" id="{5DAF49CD-6523-E0E5-D098-76681EFA41FB}"/>
+                <a16:creationId xmlns:a16="http://schemas.microsoft.com/office/drawing/2014/main" id="{F9888B2F-FC00-7532-700C-AF6962382C9C}"/>
               </a:ext>
             </a:extLst>
           </p:cNvPr>
@@ -2661,7 +2661,7 @@
           <a:bodyPr/>
           <a:lstStyle/>
           <a:p>
-            <a:fld id="{EA862976-2342-4296-AC05-CBCECBB9E444}" type="datetimeFigureOut">
+            <a:fld id="{9C869423-A24F-4F41-A11D-F436496D2943}" type="datetimeFigureOut">
               <a:rPr lang="zh-CN" altLang="en-US" smtClean="0"/>
               <a:t>2024/3/10</a:t>
             </a:fld>
@@ -2674,7 +2674,7 @@
           <p:cNvPr id="6" name="页脚占位符 5">
             <a:extLst>
               <a:ext uri="{FF2B5EF4-FFF2-40B4-BE49-F238E27FC236}">
-                <a16:creationId xmlns:a16="http://schemas.microsoft.com/office/drawing/2014/main" id="{31B75D1C-D4A0-29AC-BAC3-7CC0DDE6B6C4}"/>
+                <a16:creationId xmlns:a16="http://schemas.microsoft.com/office/drawing/2014/main" id="{2BFCA37F-27B3-2B4A-13DC-F8C8F01E9C4F}"/>
               </a:ext>
             </a:extLst>
           </p:cNvPr>
@@ -2699,7 +2699,7 @@
           <p:cNvPr id="7" name="灯片编号占位符 6">
             <a:extLst>
               <a:ext uri="{FF2B5EF4-FFF2-40B4-BE49-F238E27FC236}">
-                <a16:creationId xmlns:a16="http://schemas.microsoft.com/office/drawing/2014/main" id="{76D3DAF0-B368-C576-20E6-B603C62A0E04}"/>
+                <a16:creationId xmlns:a16="http://schemas.microsoft.com/office/drawing/2014/main" id="{54C0DA80-22DD-555D-4E99-94714745A1FE}"/>
               </a:ext>
             </a:extLst>
           </p:cNvPr>
@@ -2715,7 +2715,7 @@
           <a:bodyPr/>
           <a:lstStyle/>
           <a:p>
-            <a:fld id="{CC5DDC88-DAE2-4897-86AD-E72C8FCC9C48}" type="slidenum">
+            <a:fld id="{6FF127DF-4269-4F02-9824-68906CC7F58C}" type="slidenum">
               <a:rPr lang="zh-CN" altLang="en-US" smtClean="0"/>
               <a:t>‹#›</a:t>
             </a:fld>
@@ -2726,7 +2726,7 @@
     </p:spTree>
     <p:extLst>
       <p:ext uri="{BB962C8B-B14F-4D97-AF65-F5344CB8AC3E}">
-        <p14:creationId xmlns:p14="http://schemas.microsoft.com/office/powerpoint/2010/main" val="4434559"/>
+        <p14:creationId xmlns:p14="http://schemas.microsoft.com/office/powerpoint/2010/main" val="1309164121"/>
       </p:ext>
     </p:extLst>
   </p:cSld>
@@ -2763,7 +2763,7 @@
           <p:cNvPr id="2" name="标题占位符 1">
             <a:extLst>
               <a:ext uri="{FF2B5EF4-FFF2-40B4-BE49-F238E27FC236}">
-                <a16:creationId xmlns:a16="http://schemas.microsoft.com/office/drawing/2014/main" id="{014AA737-A97A-CAB5-44BA-662554468193}"/>
+                <a16:creationId xmlns:a16="http://schemas.microsoft.com/office/drawing/2014/main" id="{E233C431-04C0-55A7-57C1-76F019FCE44A}"/>
               </a:ext>
             </a:extLst>
           </p:cNvPr>
@@ -2801,7 +2801,7 @@
           <p:cNvPr id="3" name="文本占位符 2">
             <a:extLst>
               <a:ext uri="{FF2B5EF4-FFF2-40B4-BE49-F238E27FC236}">
-                <a16:creationId xmlns:a16="http://schemas.microsoft.com/office/drawing/2014/main" id="{0C21B4F6-9D01-7331-DD88-D26F6908868A}"/>
+                <a16:creationId xmlns:a16="http://schemas.microsoft.com/office/drawing/2014/main" id="{6B16EBC5-AE84-6B33-CA9F-D2956B0B5B50}"/>
               </a:ext>
             </a:extLst>
           </p:cNvPr>
@@ -2868,7 +2868,7 @@
           <p:cNvPr id="4" name="日期占位符 3">
             <a:extLst>
               <a:ext uri="{FF2B5EF4-FFF2-40B4-BE49-F238E27FC236}">
-                <a16:creationId xmlns:a16="http://schemas.microsoft.com/office/drawing/2014/main" id="{AE02898D-8A0A-1535-0DFD-57E11C75E576}"/>
+                <a16:creationId xmlns:a16="http://schemas.microsoft.com/office/drawing/2014/main" id="{E7EBA672-C045-8D5E-B354-D114AFBE0FAF}"/>
               </a:ext>
             </a:extLst>
           </p:cNvPr>
@@ -2902,7 +2902,7 @@
             </a:lvl1pPr>
           </a:lstStyle>
           <a:p>
-            <a:fld id="{EA862976-2342-4296-AC05-CBCECBB9E444}" type="datetimeFigureOut">
+            <a:fld id="{9C869423-A24F-4F41-A11D-F436496D2943}" type="datetimeFigureOut">
               <a:rPr lang="zh-CN" altLang="en-US" smtClean="0"/>
               <a:t>2024/3/10</a:t>
             </a:fld>
@@ -2915,7 +2915,7 @@
           <p:cNvPr id="5" name="页脚占位符 4">
             <a:extLst>
               <a:ext uri="{FF2B5EF4-FFF2-40B4-BE49-F238E27FC236}">
-                <a16:creationId xmlns:a16="http://schemas.microsoft.com/office/drawing/2014/main" id="{3376EE54-8918-4E92-C39C-A3CED6164482}"/>
+                <a16:creationId xmlns:a16="http://schemas.microsoft.com/office/drawing/2014/main" id="{DF850A39-F92F-A88A-51F8-D045D575FCC6}"/>
               </a:ext>
             </a:extLst>
           </p:cNvPr>
@@ -2958,7 +2958,7 @@
           <p:cNvPr id="6" name="灯片编号占位符 5">
             <a:extLst>
               <a:ext uri="{FF2B5EF4-FFF2-40B4-BE49-F238E27FC236}">
-                <a16:creationId xmlns:a16="http://schemas.microsoft.com/office/drawing/2014/main" id="{694CFB20-6385-6ACE-C8EC-CEEED5657789}"/>
+                <a16:creationId xmlns:a16="http://schemas.microsoft.com/office/drawing/2014/main" id="{294ABA12-7BB0-F9C4-066D-D4E212D9E3B2}"/>
               </a:ext>
             </a:extLst>
           </p:cNvPr>
@@ -2992,7 +2992,7 @@
             </a:lvl1pPr>
           </a:lstStyle>
           <a:p>
-            <a:fld id="{CC5DDC88-DAE2-4897-86AD-E72C8FCC9C48}" type="slidenum">
+            <a:fld id="{6FF127DF-4269-4F02-9824-68906CC7F58C}" type="slidenum">
               <a:rPr lang="zh-CN" altLang="en-US" smtClean="0"/>
               <a:t>‹#›</a:t>
             </a:fld>
@@ -3003,7 +3003,7 @@
     </p:spTree>
     <p:extLst>
       <p:ext uri="{BB962C8B-B14F-4D97-AF65-F5344CB8AC3E}">
-        <p14:creationId xmlns:p14="http://schemas.microsoft.com/office/powerpoint/2010/main" val="3065515957"/>
+        <p14:creationId xmlns:p14="http://schemas.microsoft.com/office/powerpoint/2010/main" val="2888147925"/>
       </p:ext>
     </p:extLst>
   </p:cSld>
@@ -3323,7 +3323,7 @@
       </p:grpSpPr>
       <p:pic>
         <p:nvPicPr>
-          <p:cNvPr id="181250" name="Picture 2" descr="176"/>
+          <p:cNvPr id="183298" name="Picture 2" descr="178"/>
           <p:cNvPicPr>
             <a:picLocks noChangeAspect="1" noChangeArrowheads="1"/>
           </p:cNvPicPr>
@@ -3375,11 +3375,158 @@
           </a:extLst>
         </p:spPr>
       </p:pic>
+      <p:pic>
+        <p:nvPicPr>
+          <p:cNvPr id="184323" name="Picture 3" descr="178-2"/>
+          <p:cNvPicPr>
+            <a:picLocks noChangeAspect="1" noChangeArrowheads="1"/>
+          </p:cNvPicPr>
+          <p:nvPr/>
+        </p:nvPicPr>
+        <p:blipFill>
+          <a:blip r:embed="rId3">
+            <a:extLst>
+              <a:ext uri="{28A0092B-C50C-407E-A947-70E740481C1C}">
+                <a14:useLocalDpi xmlns:a14="http://schemas.microsoft.com/office/drawing/2010/main" val="0"/>
+              </a:ext>
+            </a:extLst>
+          </a:blip>
+          <a:srcRect/>
+          <a:stretch>
+            <a:fillRect/>
+          </a:stretch>
+        </p:blipFill>
+        <p:spPr bwMode="auto">
+          <a:xfrm>
+            <a:off x="1524000" y="0"/>
+            <a:ext cx="9144000" cy="6859588"/>
+          </a:xfrm>
+          <a:prstGeom prst="rect">
+            <a:avLst/>
+          </a:prstGeom>
+          <a:noFill/>
+          <a:ln>
+            <a:noFill/>
+          </a:ln>
+          <a:effectLst/>
+          <a:extLst>
+            <a:ext uri="{909E8E84-426E-40DD-AFC4-6F175D3DCCD1}">
+              <a14:hiddenFill xmlns:a14="http://schemas.microsoft.com/office/drawing/2010/main">
+                <a:solidFill>
+                  <a:srgbClr val="FFFFFF"/>
+                </a:solidFill>
+              </a14:hiddenFill>
+            </a:ext>
+            <a:ext uri="{91240B29-F687-4F45-9708-019B960494DF}">
+              <a14:hiddenLine xmlns:a14="http://schemas.microsoft.com/office/drawing/2010/main" w="9525">
+                <a:solidFill>
+                  <a:srgbClr val="000000"/>
+                </a:solidFill>
+                <a:miter lim="800000"/>
+                <a:headEnd/>
+                <a:tailEnd/>
+              </a14:hiddenLine>
+            </a:ext>
+            <a:ext uri="{AF507438-7753-43E0-B8FC-AC1667EBCBE1}">
+              <a14:hiddenEffects xmlns:a14="http://schemas.microsoft.com/office/drawing/2010/main">
+                <a:effectLst>
+                  <a:outerShdw dist="35921" dir="2700000" algn="ctr" rotWithShape="0">
+                    <a:srgbClr val="808080"/>
+                  </a:outerShdw>
+                </a:effectLst>
+              </a14:hiddenEffects>
+            </a:ext>
+          </a:extLst>
+        </p:spPr>
+      </p:pic>
     </p:spTree>
   </p:cSld>
   <p:clrMapOvr>
     <a:masterClrMapping/>
   </p:clrMapOvr>
+  <p:timing>
+    <p:tnLst>
+      <p:par>
+        <p:cTn id="1" dur="indefinite" restart="never" nodeType="tmRoot">
+          <p:childTnLst>
+            <p:seq concurrent="1" nextAc="seek">
+              <p:cTn id="2" dur="indefinite" nodeType="mainSeq">
+                <p:childTnLst>
+                  <p:par>
+                    <p:cTn id="3" fill="hold" nodeType="clickPar">
+                      <p:stCondLst>
+                        <p:cond delay="indefinite"/>
+                      </p:stCondLst>
+                      <p:childTnLst>
+                        <p:par>
+                          <p:cTn id="4" fill="hold" nodeType="withGroup">
+                            <p:stCondLst>
+                              <p:cond delay="0"/>
+                            </p:stCondLst>
+                            <p:childTnLst>
+                              <p:par>
+                                <p:cTn id="5" presetID="10" presetClass="entr" presetSubtype="0" fill="hold" nodeType="clickEffect">
+                                  <p:stCondLst>
+                                    <p:cond delay="0"/>
+                                  </p:stCondLst>
+                                  <p:childTnLst>
+                                    <p:set>
+                                      <p:cBhvr>
+                                        <p:cTn id="6" dur="1" fill="hold">
+                                          <p:stCondLst>
+                                            <p:cond delay="0"/>
+                                          </p:stCondLst>
+                                        </p:cTn>
+                                        <p:tgtEl>
+                                          <p:spTgt spid="184323"/>
+                                        </p:tgtEl>
+                                        <p:attrNameLst>
+                                          <p:attrName>style.visibility</p:attrName>
+                                        </p:attrNameLst>
+                                      </p:cBhvr>
+                                      <p:to>
+                                        <p:strVal val="visible"/>
+                                      </p:to>
+                                    </p:set>
+                                    <p:animEffect transition="in" filter="fade">
+                                      <p:cBhvr>
+                                        <p:cTn id="7" dur="500"/>
+                                        <p:tgtEl>
+                                          <p:spTgt spid="184323"/>
+                                        </p:tgtEl>
+                                      </p:cBhvr>
+                                    </p:animEffect>
+                                  </p:childTnLst>
+                                </p:cTn>
+                              </p:par>
+                            </p:childTnLst>
+                          </p:cTn>
+                        </p:par>
+                      </p:childTnLst>
+                    </p:cTn>
+                  </p:par>
+                </p:childTnLst>
+              </p:cTn>
+              <p:prevCondLst>
+                <p:cond evt="onPrev" delay="0">
+                  <p:tgtEl>
+                    <p:sldTgt/>
+                  </p:tgtEl>
+                </p:cond>
+              </p:prevCondLst>
+              <p:nextCondLst>
+                <p:cond evt="onNext" delay="0">
+                  <p:tgtEl>
+                    <p:sldTgt/>
+                  </p:tgtEl>
+                </p:cond>
+              </p:nextCondLst>
+            </p:seq>
+          </p:childTnLst>
+        </p:cTn>
+      </p:par>
+    </p:tnLst>
+  </p:timing>
 </p:sld>
 </file>
 
